--- a/lecture_notes/Week6-1f CNN FineTune.pptx
+++ b/lecture_notes/Week6-1f CNN FineTune.pptx
@@ -3578,22 +3578,22 @@
           <a:p>
             <a:pPr algn="ctr"/>
             <a:r>
-              <a:rPr lang="en-US" altLang="ko-KR" sz="6000" dirty="0" err="1" smtClean="0"/>
-              <a:t>Finetuning</a:t>
-            </a:r>
-            <a:r>
-              <a:rPr lang="en-US" altLang="ko-KR" sz="6000" dirty="0" smtClean="0"/>
-              <a:t> CNN with </a:t>
-            </a:r>
-            <a:r>
-              <a:rPr lang="en-US" altLang="ko-KR" sz="6000" dirty="0" err="1" smtClean="0"/>
-              <a:t>pretrained</a:t>
-            </a:r>
-            <a:r>
-              <a:rPr lang="en-US" altLang="ko-KR" sz="6000" dirty="0" smtClean="0"/>
-              <a:t> VGG</a:t>
-            </a:r>
-            <a:endParaRPr lang="en-US" altLang="ko-KR" sz="4800" dirty="0" smtClean="0"/>
+              <a:rPr lang="en-US" altLang="ko-KR" sz="5400" dirty="0" smtClean="0"/>
+              <a:t>Fine-tuning </a:t>
+            </a:r>
+            <a:r>
+              <a:rPr lang="en-US" altLang="ko-KR" sz="5400" dirty="0" smtClean="0"/>
+              <a:t>CNN with </a:t>
+            </a:r>
+            <a:r>
+              <a:rPr lang="en-US" altLang="ko-KR" sz="5400" dirty="0" smtClean="0"/>
+              <a:t>pre-trained </a:t>
+            </a:r>
+            <a:r>
+              <a:rPr lang="en-US" altLang="ko-KR" sz="5400" dirty="0" smtClean="0"/>
+              <a:t>VGG</a:t>
+            </a:r>
+            <a:endParaRPr lang="en-US" altLang="ko-KR" sz="4400" dirty="0" smtClean="0"/>
           </a:p>
         </p:txBody>
       </p:sp>
@@ -5091,15 +5091,7 @@
                   <a:srgbClr val="FF0000"/>
                 </a:solidFill>
               </a:rPr>
-              <a:t>With </a:t>
-            </a:r>
-            <a:r>
-              <a:rPr kumimoji="1" lang="en-US" altLang="ko-KR" sz="2400" dirty="0" smtClean="0">
-                <a:solidFill>
-                  <a:srgbClr val="FF0000"/>
-                </a:solidFill>
-              </a:rPr>
-              <a:t>VGG</a:t>
+              <a:t>With VGG</a:t>
             </a:r>
             <a:endParaRPr kumimoji="1" lang="ko-KR" altLang="en-US" sz="2400" dirty="0" smtClean="0">
               <a:solidFill>
